--- a/KiCAD사용법.pptx
+++ b/KiCAD사용법.pptx
@@ -13,6 +13,7 @@
     <p:sldId id="261" r:id="rId7"/>
     <p:sldId id="262" r:id="rId8"/>
     <p:sldId id="263" r:id="rId9"/>
+    <p:sldId id="264" r:id="rId10"/>
   </p:sldIdLst>
   <p:sldSz cx="12192000" cy="6858000"/>
   <p:notesSz cx="6858000" cy="9144000"/>
@@ -24391,11 +24392,11 @@
               <a:buNone/>
             </a:pPr>
             <a:r>
-              <a:rPr lang="ko-KR" altLang="en-US" sz="1800"/>
+              <a:rPr lang="ko-KR" altLang="en-US" sz="1800" dirty="0"/>
               <a:t>저장소 폴더 생성</a:t>
             </a:r>
             <a:r>
-              <a:rPr lang="en-US" altLang="ko-KR" sz="1800"/>
+              <a:rPr lang="en-US" altLang="ko-KR" sz="1800" dirty="0"/>
               <a:t>. (ex. C:\repositories\KICAD_LIB )</a:t>
             </a:r>
           </a:p>
@@ -24403,106 +24404,106 @@
             <a:pPr marL="0" indent="0">
               <a:buNone/>
             </a:pPr>
-            <a:endParaRPr lang="en-US" altLang="ko-KR" sz="1800"/>
+            <a:endParaRPr lang="en-US" altLang="ko-KR" sz="1800" dirty="0"/>
           </a:p>
           <a:p>
             <a:pPr marL="0" indent="0">
               <a:buNone/>
             </a:pPr>
             <a:r>
-              <a:rPr lang="ko-KR" altLang="en-US" sz="1800"/>
+              <a:rPr lang="ko-KR" altLang="en-US" sz="1800" dirty="0"/>
               <a:t>폴더에 들어가서 폴더 내 빈 화면 아무 곳에서 오른쪽 마우스 클릭 후 </a:t>
             </a:r>
             <a:r>
-              <a:rPr lang="en-US" altLang="ko-KR" sz="1800"/>
+              <a:rPr lang="en-US" altLang="ko-KR" sz="1800" dirty="0"/>
               <a:t>Git </a:t>
             </a:r>
             <a:r>
-              <a:rPr lang="ko-KR" altLang="en-US" sz="1800"/>
+              <a:rPr lang="ko-KR" altLang="en-US" sz="1800" dirty="0"/>
               <a:t>복제하기</a:t>
             </a:r>
             <a:r>
-              <a:rPr lang="en-US" altLang="ko-KR" sz="1800"/>
+              <a:rPr lang="en-US" altLang="ko-KR" sz="1800" dirty="0"/>
               <a:t>(Clone) </a:t>
             </a:r>
             <a:r>
-              <a:rPr lang="ko-KR" altLang="en-US" sz="1800"/>
+              <a:rPr lang="ko-KR" altLang="en-US" sz="1800" dirty="0"/>
               <a:t>선택</a:t>
             </a:r>
-            <a:endParaRPr lang="en-US" altLang="ko-KR" sz="1800"/>
+            <a:endParaRPr lang="en-US" altLang="ko-KR" sz="1800" dirty="0"/>
           </a:p>
           <a:p>
             <a:pPr marL="0" indent="0">
               <a:buNone/>
             </a:pPr>
-            <a:endParaRPr lang="en-US" altLang="ko-KR" sz="1800"/>
+            <a:endParaRPr lang="en-US" altLang="ko-KR" sz="1800" dirty="0"/>
           </a:p>
           <a:p>
             <a:pPr marL="0" indent="0">
               <a:buNone/>
             </a:pPr>
             <a:r>
-              <a:rPr lang="en-US" altLang="ko-KR" sz="1800"/>
+              <a:rPr lang="en-US" altLang="ko-KR" sz="1800" dirty="0"/>
               <a:t>URL </a:t>
             </a:r>
             <a:r>
-              <a:rPr lang="ko-KR" altLang="en-US" sz="1800"/>
+              <a:rPr lang="ko-KR" altLang="en-US" sz="1800" dirty="0"/>
               <a:t>창이 나타나면</a:t>
             </a:r>
-            <a:endParaRPr lang="en-US" altLang="ko-KR" sz="1800"/>
+            <a:endParaRPr lang="en-US" altLang="ko-KR" sz="1800" dirty="0"/>
           </a:p>
           <a:p>
             <a:pPr marL="0" indent="0">
               <a:buNone/>
             </a:pPr>
             <a:r>
-              <a:rPr lang="ko-KR" altLang="en-US" sz="1800"/>
+              <a:rPr lang="ko-KR" altLang="en-US" sz="1800" dirty="0"/>
               <a:t>아래 주소를 입력</a:t>
             </a:r>
-            <a:endParaRPr lang="en-US" altLang="ko-KR" sz="1800"/>
+            <a:endParaRPr lang="en-US" altLang="ko-KR" sz="1800" dirty="0"/>
           </a:p>
           <a:p>
             <a:pPr marL="0" indent="0">
               <a:buNone/>
             </a:pPr>
             <a:r>
-              <a:rPr lang="en-US" altLang="ko-KR" sz="1800">
+              <a:rPr lang="en-US" altLang="ko-KR" sz="1800" dirty="0">
                 <a:hlinkClick r:id="rId3"/>
               </a:rPr>
               <a:t>https://github.com/sparkfun/SparkFun-KiCad-Libraries</a:t>
             </a:r>
-            <a:endParaRPr lang="en-US" altLang="ko-KR" sz="1800"/>
+            <a:endParaRPr lang="en-US" altLang="ko-KR" sz="1800" dirty="0"/>
           </a:p>
           <a:p>
             <a:pPr marL="0" indent="0">
               <a:buNone/>
             </a:pPr>
             <a:r>
-              <a:rPr lang="en-US" altLang="ko-KR" sz="1800"/>
+              <a:rPr lang="en-US" altLang="ko-KR" sz="1800" dirty="0"/>
               <a:t>&lt;</a:t>
             </a:r>
             <a:r>
-              <a:rPr lang="ko-KR" altLang="en-US" sz="1800"/>
+              <a:rPr lang="ko-KR" altLang="en-US" sz="1800" dirty="0"/>
               <a:t>팁</a:t>
             </a:r>
             <a:r>
-              <a:rPr lang="en-US" altLang="ko-KR" sz="1800"/>
+              <a:rPr lang="en-US" altLang="ko-KR" sz="1800" dirty="0"/>
               <a:t>&gt; </a:t>
             </a:r>
             <a:r>
-              <a:rPr lang="ko-KR" altLang="en-US" sz="1800"/>
+              <a:rPr lang="ko-KR" altLang="en-US" sz="1800" dirty="0"/>
               <a:t>미리 주소를 복사해 놓으면 자동으로 </a:t>
             </a:r>
             <a:r>
-              <a:rPr lang="en-US" altLang="ko-KR" sz="1800"/>
+              <a:rPr lang="en-US" altLang="ko-KR" sz="1800" dirty="0"/>
               <a:t>URL</a:t>
             </a:r>
             <a:r>
-              <a:rPr lang="ko-KR" altLang="en-US" sz="1800"/>
+              <a:rPr lang="ko-KR" altLang="en-US" sz="1800" dirty="0"/>
               <a:t>에 입력됨</a:t>
             </a:r>
             <a:r>
-              <a:rPr lang="en-US" altLang="ko-KR" sz="1800"/>
+              <a:rPr lang="en-US" altLang="ko-KR" sz="1800" dirty="0"/>
               <a:t>.</a:t>
             </a:r>
           </a:p>
@@ -24510,7 +24511,7 @@
             <a:pPr marL="0" indent="0">
               <a:buNone/>
             </a:pPr>
-            <a:endParaRPr lang="en-US" altLang="ko-KR" sz="1800"/>
+            <a:endParaRPr lang="en-US" altLang="ko-KR" sz="1800" dirty="0"/>
           </a:p>
         </p:txBody>
       </p:sp>
@@ -24607,6 +24608,900 @@
     <p:extLst>
       <p:ext uri="{BB962C8B-B14F-4D97-AF65-F5344CB8AC3E}">
         <p14:creationId xmlns:p14="http://schemas.microsoft.com/office/powerpoint/2010/main" val="2899815974"/>
+      </p:ext>
+    </p:extLst>
+  </p:cSld>
+  <p:clrMapOvr>
+    <a:masterClrMapping/>
+  </p:clrMapOvr>
+</p:sld>
+</file>
+
+<file path=ppt/slides/slide9.xml><?xml version="1.0" encoding="utf-8"?>
+<p:sld xmlns:a="http://schemas.openxmlformats.org/drawingml/2006/main" xmlns:r="http://schemas.openxmlformats.org/officeDocument/2006/relationships" xmlns:p="http://schemas.openxmlformats.org/presentationml/2006/main">
+  <p:cSld>
+    <p:bg>
+      <p:bgPr>
+        <a:solidFill>
+          <a:schemeClr val="bg1"/>
+        </a:solidFill>
+        <a:effectLst/>
+      </p:bgPr>
+    </p:bg>
+    <p:spTree>
+      <p:nvGrpSpPr>
+        <p:cNvPr id="1" name=""/>
+        <p:cNvGrpSpPr/>
+        <p:nvPr/>
+      </p:nvGrpSpPr>
+      <p:grpSpPr>
+        <a:xfrm>
+          <a:off x="0" y="0"/>
+          <a:ext cx="0" cy="0"/>
+          <a:chOff x="0" y="0"/>
+          <a:chExt cx="0" cy="0"/>
+        </a:xfrm>
+      </p:grpSpPr>
+      <p:sp useBgFill="1">
+        <p:nvSpPr>
+          <p:cNvPr id="54" name="Rectangle 43">
+            <a:extLst>
+              <a:ext uri="{FF2B5EF4-FFF2-40B4-BE49-F238E27FC236}">
+                <a16:creationId xmlns:a16="http://schemas.microsoft.com/office/drawing/2014/main" id="{BDF1A630-2A9B-41A0-92F9-FDA261070EA8}"/>
+              </a:ext>
+              <a:ext uri="{C183D7F6-B498-43B3-948B-1728B52AA6E4}">
+                <adec:decorative xmlns:adec="http://schemas.microsoft.com/office/drawing/2017/decorative" val="1"/>
+              </a:ext>
+            </a:extLst>
+          </p:cNvPr>
+          <p:cNvSpPr>
+            <a:spLocks noGrp="1" noRot="1" noChangeAspect="1" noMove="1" noResize="1" noEditPoints="1" noAdjustHandles="1" noChangeArrowheads="1" noChangeShapeType="1" noTextEdit="1"/>
+          </p:cNvSpPr>
+          <p:nvPr>
+            <p:extLst>
+              <p:ext uri="{386F3935-93C4-4BCD-93E2-E3B085C9AB24}">
+                <p16:designElem xmlns:p16="http://schemas.microsoft.com/office/powerpoint/2015/main" val="1"/>
+              </p:ext>
+            </p:extLst>
+          </p:nvPr>
+        </p:nvSpPr>
+        <p:spPr>
+          <a:xfrm>
+            <a:off x="0" y="0"/>
+            <a:ext cx="12191999" cy="6857365"/>
+          </a:xfrm>
+          <a:prstGeom prst="rect">
+            <a:avLst/>
+          </a:prstGeom>
+          <a:ln>
+            <a:noFill/>
+          </a:ln>
+        </p:spPr>
+        <p:style>
+          <a:lnRef idx="2">
+            <a:schemeClr val="accent1">
+              <a:shade val="50000"/>
+            </a:schemeClr>
+          </a:lnRef>
+          <a:fillRef idx="1">
+            <a:schemeClr val="accent1"/>
+          </a:fillRef>
+          <a:effectRef idx="0">
+            <a:schemeClr val="accent1"/>
+          </a:effectRef>
+          <a:fontRef idx="minor">
+            <a:schemeClr val="lt1"/>
+          </a:fontRef>
+        </p:style>
+        <p:txBody>
+          <a:bodyPr rtlCol="0" anchor="ctr"/>
+          <a:lstStyle/>
+          <a:p>
+            <a:pPr algn="ctr"/>
+            <a:endParaRPr lang="en-US"/>
+          </a:p>
+        </p:txBody>
+      </p:sp>
+      <p:grpSp>
+        <p:nvGrpSpPr>
+          <p:cNvPr id="55" name="Group 45">
+            <a:extLst>
+              <a:ext uri="{FF2B5EF4-FFF2-40B4-BE49-F238E27FC236}">
+                <a16:creationId xmlns:a16="http://schemas.microsoft.com/office/drawing/2014/main" id="{19A6B5CE-CB1D-48EE-8B43-E952235C8371}"/>
+              </a:ext>
+              <a:ext uri="{C183D7F6-B498-43B3-948B-1728B52AA6E4}">
+                <adec:decorative xmlns:adec="http://schemas.microsoft.com/office/drawing/2017/decorative" val="1"/>
+              </a:ext>
+            </a:extLst>
+          </p:cNvPr>
+          <p:cNvGrpSpPr>
+            <a:grpSpLocks noGrp="1" noUngrp="1" noRot="1" noChangeAspect="1" noMove="1" noResize="1"/>
+          </p:cNvGrpSpPr>
+          <p:nvPr>
+            <p:extLst>
+              <p:ext uri="{386F3935-93C4-4BCD-93E2-E3B085C9AB24}">
+                <p16:designElem xmlns:p16="http://schemas.microsoft.com/office/powerpoint/2015/main" val="1"/>
+              </p:ext>
+            </p:extLst>
+          </p:nvPr>
+        </p:nvGrpSpPr>
+        <p:grpSpPr>
+          <a:xfrm rot="5400000">
+            <a:off x="-2340441" y="2666183"/>
+            <a:ext cx="5860051" cy="527712"/>
+            <a:chOff x="6081624" y="1998368"/>
+            <a:chExt cx="5613457" cy="782175"/>
+          </a:xfrm>
+          <a:solidFill>
+            <a:schemeClr val="accent4"/>
+          </a:solidFill>
+        </p:grpSpPr>
+        <p:sp>
+          <p:nvSpPr>
+            <p:cNvPr id="56" name="Rectangle 46">
+              <a:extLst>
+                <a:ext uri="{FF2B5EF4-FFF2-40B4-BE49-F238E27FC236}">
+                  <a16:creationId xmlns:a16="http://schemas.microsoft.com/office/drawing/2014/main" id="{E3F3EAA5-4E15-400B-BBA3-82B3F49A2178}"/>
+                </a:ext>
+                <a:ext uri="{C183D7F6-B498-43B3-948B-1728B52AA6E4}">
+                  <adec:decorative xmlns:adec="http://schemas.microsoft.com/office/drawing/2017/decorative" val="1"/>
+                </a:ext>
+              </a:extLst>
+            </p:cNvPr>
+            <p:cNvSpPr/>
+            <p:nvPr>
+              <p:extLst>
+                <p:ext uri="{386F3935-93C4-4BCD-93E2-E3B085C9AB24}">
+                  <p16:designElem xmlns:p16="http://schemas.microsoft.com/office/powerpoint/2015/main" val="1"/>
+                </p:ext>
+              </p:extLst>
+            </p:nvPr>
+          </p:nvSpPr>
+          <p:spPr>
+            <a:xfrm rot="5400000">
+              <a:off x="11228040" y="2313027"/>
+              <a:ext cx="781700" cy="152382"/>
+            </a:xfrm>
+            <a:prstGeom prst="rect">
+              <a:avLst/>
+            </a:prstGeom>
+            <a:grpFill/>
+            <a:ln>
+              <a:noFill/>
+            </a:ln>
+          </p:spPr>
+          <p:style>
+            <a:lnRef idx="2">
+              <a:schemeClr val="accent1">
+                <a:shade val="50000"/>
+              </a:schemeClr>
+            </a:lnRef>
+            <a:fillRef idx="1">
+              <a:schemeClr val="accent1"/>
+            </a:fillRef>
+            <a:effectRef idx="0">
+              <a:schemeClr val="accent1"/>
+            </a:effectRef>
+            <a:fontRef idx="minor">
+              <a:schemeClr val="lt1"/>
+            </a:fontRef>
+          </p:style>
+          <p:txBody>
+            <a:bodyPr rtlCol="0" anchor="ctr"/>
+            <a:lstStyle/>
+            <a:p>
+              <a:pPr algn="ctr"/>
+              <a:endParaRPr lang="en-US"/>
+            </a:p>
+          </p:txBody>
+        </p:sp>
+        <p:sp>
+          <p:nvSpPr>
+            <p:cNvPr id="57" name="Rectangle 47">
+              <a:extLst>
+                <a:ext uri="{FF2B5EF4-FFF2-40B4-BE49-F238E27FC236}">
+                  <a16:creationId xmlns:a16="http://schemas.microsoft.com/office/drawing/2014/main" id="{72BA2E40-BE9B-4C54-9CDD-40EE804CCE64}"/>
+                </a:ext>
+                <a:ext uri="{C183D7F6-B498-43B3-948B-1728B52AA6E4}">
+                  <adec:decorative xmlns:adec="http://schemas.microsoft.com/office/drawing/2017/decorative" val="1"/>
+                </a:ext>
+              </a:extLst>
+            </p:cNvPr>
+            <p:cNvSpPr/>
+            <p:nvPr>
+              <p:extLst>
+                <p:ext uri="{386F3935-93C4-4BCD-93E2-E3B085C9AB24}">
+                  <p16:designElem xmlns:p16="http://schemas.microsoft.com/office/powerpoint/2015/main" val="1"/>
+                </p:ext>
+              </p:extLst>
+            </p:nvPr>
+          </p:nvSpPr>
+          <p:spPr>
+            <a:xfrm flipH="1" flipV="1">
+              <a:off x="6081624" y="1998844"/>
+              <a:ext cx="5372968" cy="781699"/>
+            </a:xfrm>
+            <a:prstGeom prst="rect">
+              <a:avLst/>
+            </a:prstGeom>
+            <a:grpFill/>
+            <a:ln>
+              <a:noFill/>
+            </a:ln>
+          </p:spPr>
+          <p:style>
+            <a:lnRef idx="2">
+              <a:schemeClr val="accent1">
+                <a:shade val="50000"/>
+              </a:schemeClr>
+            </a:lnRef>
+            <a:fillRef idx="1">
+              <a:schemeClr val="accent1"/>
+            </a:fillRef>
+            <a:effectRef idx="0">
+              <a:schemeClr val="accent1"/>
+            </a:effectRef>
+            <a:fontRef idx="minor">
+              <a:schemeClr val="lt1"/>
+            </a:fontRef>
+          </p:style>
+          <p:txBody>
+            <a:bodyPr rtlCol="0" anchor="ctr"/>
+            <a:lstStyle/>
+            <a:p>
+              <a:pPr algn="ctr"/>
+              <a:endParaRPr lang="en-US"/>
+            </a:p>
+          </p:txBody>
+        </p:sp>
+      </p:grpSp>
+      <p:sp>
+        <p:nvSpPr>
+          <p:cNvPr id="58" name="Rectangle 49">
+            <a:extLst>
+              <a:ext uri="{FF2B5EF4-FFF2-40B4-BE49-F238E27FC236}">
+                <a16:creationId xmlns:a16="http://schemas.microsoft.com/office/drawing/2014/main" id="{0DA909B4-15FF-46A6-8A7F-7AEF977FE9ED}"/>
+              </a:ext>
+              <a:ext uri="{C183D7F6-B498-43B3-948B-1728B52AA6E4}">
+                <adec:decorative xmlns:adec="http://schemas.microsoft.com/office/drawing/2017/decorative" val="1"/>
+              </a:ext>
+            </a:extLst>
+          </p:cNvPr>
+          <p:cNvSpPr>
+            <a:spLocks noGrp="1" noRot="1" noChangeAspect="1" noMove="1" noResize="1" noEditPoints="1" noAdjustHandles="1" noChangeArrowheads="1" noChangeShapeType="1" noTextEdit="1"/>
+          </p:cNvSpPr>
+          <p:nvPr>
+            <p:extLst>
+              <p:ext uri="{386F3935-93C4-4BCD-93E2-E3B085C9AB24}">
+                <p16:designElem xmlns:p16="http://schemas.microsoft.com/office/powerpoint/2015/main" val="1"/>
+              </p:ext>
+            </p:extLst>
+          </p:nvPr>
+        </p:nvSpPr>
+        <p:spPr>
+          <a:xfrm>
+            <a:off x="579528" y="517897"/>
+            <a:ext cx="11111729" cy="5857966"/>
+          </a:xfrm>
+          <a:prstGeom prst="rect">
+            <a:avLst/>
+          </a:prstGeom>
+          <a:solidFill>
+            <a:schemeClr val="bg1"/>
+          </a:solidFill>
+          <a:ln>
+            <a:noFill/>
+          </a:ln>
+          <a:effectLst>
+            <a:outerShdw blurRad="139700" dist="127000" dir="5400000" algn="t" rotWithShape="0">
+              <a:prstClr val="black">
+                <a:alpha val="15000"/>
+              </a:prstClr>
+            </a:outerShdw>
+          </a:effectLst>
+        </p:spPr>
+        <p:style>
+          <a:lnRef idx="2">
+            <a:schemeClr val="accent1">
+              <a:shade val="50000"/>
+            </a:schemeClr>
+          </a:lnRef>
+          <a:fillRef idx="1">
+            <a:schemeClr val="accent1"/>
+          </a:fillRef>
+          <a:effectRef idx="0">
+            <a:schemeClr val="accent1"/>
+          </a:effectRef>
+          <a:fontRef idx="minor">
+            <a:schemeClr val="lt1"/>
+          </a:fontRef>
+        </p:style>
+        <p:txBody>
+          <a:bodyPr rtlCol="0" anchor="ctr"/>
+          <a:lstStyle/>
+          <a:p>
+            <a:pPr algn="ctr"/>
+            <a:endParaRPr lang="en-US"/>
+          </a:p>
+        </p:txBody>
+      </p:sp>
+      <p:sp>
+        <p:nvSpPr>
+          <p:cNvPr id="2" name="제목 1">
+            <a:extLst>
+              <a:ext uri="{FF2B5EF4-FFF2-40B4-BE49-F238E27FC236}">
+                <a16:creationId xmlns:a16="http://schemas.microsoft.com/office/drawing/2014/main" id="{E071AADA-0A99-EA2F-B5EC-4BC8CC71F3AF}"/>
+              </a:ext>
+            </a:extLst>
+          </p:cNvPr>
+          <p:cNvSpPr>
+            <a:spLocks noGrp="1"/>
+          </p:cNvSpPr>
+          <p:nvPr>
+            <p:ph type="title"/>
+          </p:nvPr>
+        </p:nvSpPr>
+        <p:spPr>
+          <a:xfrm>
+            <a:off x="1057025" y="922644"/>
+            <a:ext cx="5040285" cy="1169585"/>
+          </a:xfrm>
+        </p:spPr>
+        <p:txBody>
+          <a:bodyPr anchor="b">
+            <a:normAutofit/>
+          </a:bodyPr>
+          <a:lstStyle/>
+          <a:p>
+            <a:r>
+              <a:rPr lang="en-US" altLang="ko-KR" sz="4000"/>
+              <a:t>KiCAD </a:t>
+            </a:r>
+            <a:r>
+              <a:rPr lang="ko-KR" altLang="en-US" sz="4000"/>
+              <a:t>경로구성 설정</a:t>
+            </a:r>
+          </a:p>
+        </p:txBody>
+      </p:sp>
+      <p:sp>
+        <p:nvSpPr>
+          <p:cNvPr id="59" name="Rectangle 51">
+            <a:extLst>
+              <a:ext uri="{FF2B5EF4-FFF2-40B4-BE49-F238E27FC236}">
+                <a16:creationId xmlns:a16="http://schemas.microsoft.com/office/drawing/2014/main" id="{1382A32C-5B0C-4B1C-A074-76C6DBCC9F87}"/>
+              </a:ext>
+              <a:ext uri="{C183D7F6-B498-43B3-948B-1728B52AA6E4}">
+                <adec:decorative xmlns:adec="http://schemas.microsoft.com/office/drawing/2017/decorative" val="1"/>
+              </a:ext>
+            </a:extLst>
+          </p:cNvPr>
+          <p:cNvSpPr>
+            <a:spLocks noGrp="1" noRot="1" noChangeAspect="1" noMove="1" noResize="1" noEditPoints="1" noAdjustHandles="1" noChangeArrowheads="1" noChangeShapeType="1" noTextEdit="1"/>
+          </p:cNvSpPr>
+          <p:nvPr>
+            <p:extLst>
+              <p:ext uri="{386F3935-93C4-4BCD-93E2-E3B085C9AB24}">
+                <p16:designElem xmlns:p16="http://schemas.microsoft.com/office/powerpoint/2015/main" val="1"/>
+              </p:ext>
+            </p:extLst>
+          </p:nvPr>
+        </p:nvSpPr>
+        <p:spPr>
+          <a:xfrm flipH="1">
+            <a:off x="1055714" y="2263365"/>
+            <a:ext cx="4937760" cy="27432"/>
+          </a:xfrm>
+          <a:prstGeom prst="rect">
+            <a:avLst/>
+          </a:prstGeom>
+          <a:solidFill>
+            <a:schemeClr val="accent4"/>
+          </a:solidFill>
+          <a:ln>
+            <a:noFill/>
+          </a:ln>
+        </p:spPr>
+        <p:style>
+          <a:lnRef idx="2">
+            <a:schemeClr val="accent1">
+              <a:shade val="50000"/>
+            </a:schemeClr>
+          </a:lnRef>
+          <a:fillRef idx="1">
+            <a:schemeClr val="accent1"/>
+          </a:fillRef>
+          <a:effectRef idx="0">
+            <a:schemeClr val="accent1"/>
+          </a:effectRef>
+          <a:fontRef idx="minor">
+            <a:schemeClr val="lt1"/>
+          </a:fontRef>
+        </p:style>
+        <p:txBody>
+          <a:bodyPr rtlCol="0" anchor="ctr"/>
+          <a:lstStyle/>
+          <a:p>
+            <a:pPr algn="ctr"/>
+            <a:endParaRPr lang="en-US"/>
+          </a:p>
+        </p:txBody>
+      </p:sp>
+      <p:sp>
+        <p:nvSpPr>
+          <p:cNvPr id="3" name="내용 개체 틀 2">
+            <a:extLst>
+              <a:ext uri="{FF2B5EF4-FFF2-40B4-BE49-F238E27FC236}">
+                <a16:creationId xmlns:a16="http://schemas.microsoft.com/office/drawing/2014/main" id="{ED316981-73E8-FCFD-D117-5194FD43BDA8}"/>
+              </a:ext>
+            </a:extLst>
+          </p:cNvPr>
+          <p:cNvSpPr>
+            <a:spLocks noGrp="1"/>
+          </p:cNvSpPr>
+          <p:nvPr>
+            <p:ph idx="1"/>
+          </p:nvPr>
+        </p:nvSpPr>
+        <p:spPr>
+          <a:xfrm>
+            <a:off x="1055715" y="2508105"/>
+            <a:ext cx="5040285" cy="3632493"/>
+          </a:xfrm>
+        </p:spPr>
+        <p:txBody>
+          <a:bodyPr anchor="ctr">
+            <a:normAutofit/>
+          </a:bodyPr>
+          <a:lstStyle/>
+          <a:p>
+            <a:r>
+              <a:rPr lang="en-US" altLang="ko-KR" sz="2000"/>
+              <a:t>KiCAD </a:t>
+            </a:r>
+            <a:r>
+              <a:rPr lang="ko-KR" altLang="en-US" sz="2000"/>
+              <a:t>첫 화면에서 설정 </a:t>
+            </a:r>
+            <a:r>
+              <a:rPr lang="en-US" altLang="ko-KR" sz="2000"/>
+              <a:t>-&gt; </a:t>
+            </a:r>
+            <a:r>
+              <a:rPr lang="ko-KR" altLang="en-US" sz="2000"/>
+              <a:t>경로 구성을 선택</a:t>
+            </a:r>
+            <a:endParaRPr lang="en-US" altLang="ko-KR" sz="2000"/>
+          </a:p>
+          <a:p>
+            <a:r>
+              <a:rPr lang="ko-KR" altLang="en-US" sz="2000"/>
+              <a:t>저장소가 설정된 폴더가 </a:t>
+            </a:r>
+            <a:r>
+              <a:rPr lang="en-US" altLang="ko-KR" sz="2000"/>
+              <a:t>C:\repositories\KICAD_LIB(=XX) </a:t>
+            </a:r>
+            <a:r>
+              <a:rPr lang="ko-KR" altLang="en-US" sz="2000"/>
+              <a:t>이라고 하면 오른쪽과 같이 설정하면 됨</a:t>
+            </a:r>
+            <a:r>
+              <a:rPr lang="en-US" altLang="ko-KR" sz="2000"/>
+              <a:t>(XX</a:t>
+            </a:r>
+            <a:r>
+              <a:rPr lang="ko-KR" altLang="en-US" sz="2000"/>
+              <a:t>는 폴더명</a:t>
+            </a:r>
+            <a:r>
+              <a:rPr lang="en-US" altLang="ko-KR" sz="2000"/>
+              <a:t>)</a:t>
+            </a:r>
+          </a:p>
+        </p:txBody>
+      </p:sp>
+      <p:pic>
+        <p:nvPicPr>
+          <p:cNvPr id="7" name="그림 6">
+            <a:extLst>
+              <a:ext uri="{FF2B5EF4-FFF2-40B4-BE49-F238E27FC236}">
+                <a16:creationId xmlns:a16="http://schemas.microsoft.com/office/drawing/2014/main" id="{3F382230-D61E-9E01-3CA4-567B081C4B8F}"/>
+              </a:ext>
+            </a:extLst>
+          </p:cNvPr>
+          <p:cNvPicPr>
+            <a:picLocks noChangeAspect="1"/>
+          </p:cNvPicPr>
+          <p:nvPr/>
+        </p:nvPicPr>
+        <p:blipFill>
+          <a:blip r:embed="rId2"/>
+          <a:stretch>
+            <a:fillRect/>
+          </a:stretch>
+        </p:blipFill>
+        <p:spPr>
+          <a:xfrm>
+            <a:off x="6946666" y="1265983"/>
+            <a:ext cx="2112264" cy="1016277"/>
+          </a:xfrm>
+          <a:prstGeom prst="rect">
+            <a:avLst/>
+          </a:prstGeom>
+        </p:spPr>
+      </p:pic>
+      <p:pic>
+        <p:nvPicPr>
+          <p:cNvPr id="5" name="그림 4">
+            <a:extLst>
+              <a:ext uri="{FF2B5EF4-FFF2-40B4-BE49-F238E27FC236}">
+                <a16:creationId xmlns:a16="http://schemas.microsoft.com/office/drawing/2014/main" id="{4DB5F18A-B44B-C7E0-BA35-B512FC86C760}"/>
+              </a:ext>
+            </a:extLst>
+          </p:cNvPr>
+          <p:cNvPicPr>
+            <a:picLocks noChangeAspect="1"/>
+          </p:cNvPicPr>
+          <p:nvPr/>
+        </p:nvPicPr>
+        <p:blipFill>
+          <a:blip r:embed="rId3"/>
+          <a:stretch>
+            <a:fillRect/>
+          </a:stretch>
+        </p:blipFill>
+        <p:spPr>
+          <a:xfrm>
+            <a:off x="9223523" y="1317416"/>
+            <a:ext cx="2112264" cy="913411"/>
+          </a:xfrm>
+          <a:prstGeom prst="rect">
+            <a:avLst/>
+          </a:prstGeom>
+        </p:spPr>
+      </p:pic>
+      <p:graphicFrame>
+        <p:nvGraphicFramePr>
+          <p:cNvPr id="8" name="표 7">
+            <a:extLst>
+              <a:ext uri="{FF2B5EF4-FFF2-40B4-BE49-F238E27FC236}">
+                <a16:creationId xmlns:a16="http://schemas.microsoft.com/office/drawing/2014/main" id="{9D3F62C4-D0EF-23B0-ACC8-C141F59064DF}"/>
+              </a:ext>
+            </a:extLst>
+          </p:cNvPr>
+          <p:cNvGraphicFramePr>
+            <a:graphicFrameLocks noGrp="1"/>
+          </p:cNvGraphicFramePr>
+          <p:nvPr>
+            <p:extLst>
+              <p:ext uri="{D42A27DB-BD31-4B8C-83A1-F6EECF244321}">
+                <p14:modId xmlns:p14="http://schemas.microsoft.com/office/powerpoint/2010/main" val="3584365797"/>
+              </p:ext>
+            </p:extLst>
+          </p:nvPr>
+        </p:nvGraphicFramePr>
+        <p:xfrm>
+          <a:off x="6946667" y="3594955"/>
+          <a:ext cx="4389121" cy="1512287"/>
+        </p:xfrm>
+        <a:graphic>
+          <a:graphicData uri="http://schemas.openxmlformats.org/drawingml/2006/table">
+            <a:tbl>
+              <a:tblPr>
+                <a:tableStyleId>{8799B23B-EC83-4686-B30A-512413B5E67A}</a:tableStyleId>
+              </a:tblPr>
+              <a:tblGrid>
+                <a:gridCol w="1986318">
+                  <a:extLst>
+                    <a:ext uri="{9D8B030D-6E8A-4147-A177-3AD203B41FA5}">
+                      <a16:colId xmlns:a16="http://schemas.microsoft.com/office/drawing/2014/main" val="1996112685"/>
+                    </a:ext>
+                  </a:extLst>
+                </a:gridCol>
+                <a:gridCol w="2402803">
+                  <a:extLst>
+                    <a:ext uri="{9D8B030D-6E8A-4147-A177-3AD203B41FA5}">
+                      <a16:colId xmlns:a16="http://schemas.microsoft.com/office/drawing/2014/main" val="999973685"/>
+                    </a:ext>
+                  </a:extLst>
+                </a:gridCol>
+              </a:tblGrid>
+              <a:tr h="217390">
+                <a:tc>
+                  <a:txBody>
+                    <a:bodyPr/>
+                    <a:lstStyle/>
+                    <a:p>
+                      <a:pPr algn="l" fontAlgn="ctr"/>
+                      <a:r>
+                        <a:rPr lang="en-US" sz="1200" u="none" strike="noStrike">
+                          <a:effectLst/>
+                        </a:rPr>
+                        <a:t>KICAD7_3DMODEL_DIR</a:t>
+                      </a:r>
+                      <a:endParaRPr lang="en-US" sz="1200" b="0" i="0" u="none" strike="noStrike">
+                        <a:solidFill>
+                          <a:srgbClr val="000000"/>
+                        </a:solidFill>
+                        <a:effectLst/>
+                        <a:latin typeface="맑은 고딕" panose="020B0503020000020004" pitchFamily="50" charset="-127"/>
+                        <a:ea typeface="맑은 고딕" panose="020B0503020000020004" pitchFamily="50" charset="-127"/>
+                      </a:endParaRPr>
+                    </a:p>
+                  </a:txBody>
+                  <a:tcPr marL="13775" marR="13775" marT="13775" marB="0" anchor="ctr"/>
+                </a:tc>
+                <a:tc>
+                  <a:txBody>
+                    <a:bodyPr/>
+                    <a:lstStyle/>
+                    <a:p>
+                      <a:pPr algn="l" fontAlgn="ctr"/>
+                      <a:r>
+                        <a:rPr lang="en-US" sz="1200" u="none" strike="noStrike">
+                          <a:effectLst/>
+                        </a:rPr>
+                        <a:t>XX\kicad-packages3D</a:t>
+                      </a:r>
+                      <a:endParaRPr lang="en-US" sz="1200" b="0" i="0" u="none" strike="noStrike">
+                        <a:solidFill>
+                          <a:srgbClr val="000000"/>
+                        </a:solidFill>
+                        <a:effectLst/>
+                        <a:latin typeface="맑은 고딕" panose="020B0503020000020004" pitchFamily="50" charset="-127"/>
+                        <a:ea typeface="맑은 고딕" panose="020B0503020000020004" pitchFamily="50" charset="-127"/>
+                      </a:endParaRPr>
+                    </a:p>
+                  </a:txBody>
+                  <a:tcPr marL="13775" marR="13775" marT="13775" marB="0" anchor="ctr"/>
+                </a:tc>
+                <a:extLst>
+                  <a:ext uri="{0D108BD9-81ED-4DB2-BD59-A6C34878D82A}">
+                    <a16:rowId xmlns:a16="http://schemas.microsoft.com/office/drawing/2014/main" val="1623143569"/>
+                  </a:ext>
+                </a:extLst>
+              </a:tr>
+              <a:tr h="126609">
+                <a:tc>
+                  <a:txBody>
+                    <a:bodyPr/>
+                    <a:lstStyle/>
+                    <a:p>
+                      <a:pPr algn="l" fontAlgn="ctr"/>
+                      <a:r>
+                        <a:rPr lang="en-US" sz="1200" u="none" strike="noStrike" dirty="0">
+                          <a:effectLst/>
+                        </a:rPr>
+                        <a:t>KICAD7_3RD_PARTY</a:t>
+                      </a:r>
+                      <a:endParaRPr lang="en-US" sz="1200" b="0" i="0" u="none" strike="noStrike" dirty="0">
+                        <a:solidFill>
+                          <a:srgbClr val="000000"/>
+                        </a:solidFill>
+                        <a:effectLst/>
+                        <a:latin typeface="맑은 고딕" panose="020B0503020000020004" pitchFamily="50" charset="-127"/>
+                        <a:ea typeface="맑은 고딕" panose="020B0503020000020004" pitchFamily="50" charset="-127"/>
+                      </a:endParaRPr>
+                    </a:p>
+                  </a:txBody>
+                  <a:tcPr marL="13775" marR="13775" marT="13775" marB="0" anchor="ctr"/>
+                </a:tc>
+                <a:tc>
+                  <a:txBody>
+                    <a:bodyPr/>
+                    <a:lstStyle/>
+                    <a:p>
+                      <a:pPr algn="l" fontAlgn="ctr"/>
+                      <a:r>
+                        <a:rPr lang="en-US" sz="1200" u="none" strike="noStrike">
+                          <a:effectLst/>
+                        </a:rPr>
+                        <a:t>XX</a:t>
+                      </a:r>
+                      <a:endParaRPr lang="en-US" sz="1200" b="0" i="0" u="none" strike="noStrike">
+                        <a:solidFill>
+                          <a:srgbClr val="000000"/>
+                        </a:solidFill>
+                        <a:effectLst/>
+                        <a:latin typeface="맑은 고딕" panose="020B0503020000020004" pitchFamily="50" charset="-127"/>
+                        <a:ea typeface="맑은 고딕" panose="020B0503020000020004" pitchFamily="50" charset="-127"/>
+                      </a:endParaRPr>
+                    </a:p>
+                  </a:txBody>
+                  <a:tcPr marL="13775" marR="13775" marT="13775" marB="0" anchor="ctr"/>
+                </a:tc>
+                <a:extLst>
+                  <a:ext uri="{0D108BD9-81ED-4DB2-BD59-A6C34878D82A}">
+                    <a16:rowId xmlns:a16="http://schemas.microsoft.com/office/drawing/2014/main" val="1134565119"/>
+                  </a:ext>
+                </a:extLst>
+              </a:tr>
+              <a:tr h="287441">
+                <a:tc>
+                  <a:txBody>
+                    <a:bodyPr/>
+                    <a:lstStyle/>
+                    <a:p>
+                      <a:pPr algn="l" fontAlgn="ctr"/>
+                      <a:r>
+                        <a:rPr lang="en-US" sz="1200" u="none" strike="noStrike">
+                          <a:effectLst/>
+                        </a:rPr>
+                        <a:t>KICAD7_FOOTPRINT_DIR</a:t>
+                      </a:r>
+                      <a:endParaRPr lang="en-US" sz="1200" b="0" i="0" u="none" strike="noStrike">
+                        <a:solidFill>
+                          <a:srgbClr val="000000"/>
+                        </a:solidFill>
+                        <a:effectLst/>
+                        <a:latin typeface="맑은 고딕" panose="020B0503020000020004" pitchFamily="50" charset="-127"/>
+                        <a:ea typeface="맑은 고딕" panose="020B0503020000020004" pitchFamily="50" charset="-127"/>
+                      </a:endParaRPr>
+                    </a:p>
+                  </a:txBody>
+                  <a:tcPr marL="13775" marR="13775" marT="13775" marB="0" anchor="ctr"/>
+                </a:tc>
+                <a:tc>
+                  <a:txBody>
+                    <a:bodyPr/>
+                    <a:lstStyle/>
+                    <a:p>
+                      <a:pPr algn="l" fontAlgn="ctr"/>
+                      <a:r>
+                        <a:rPr lang="en-US" sz="1200" u="none" strike="noStrike">
+                          <a:effectLst/>
+                        </a:rPr>
+                        <a:t>XX\kicad-footprints</a:t>
+                      </a:r>
+                      <a:endParaRPr lang="en-US" sz="1200" b="0" i="0" u="none" strike="noStrike">
+                        <a:solidFill>
+                          <a:srgbClr val="000000"/>
+                        </a:solidFill>
+                        <a:effectLst/>
+                        <a:latin typeface="맑은 고딕" panose="020B0503020000020004" pitchFamily="50" charset="-127"/>
+                        <a:ea typeface="맑은 고딕" panose="020B0503020000020004" pitchFamily="50" charset="-127"/>
+                      </a:endParaRPr>
+                    </a:p>
+                  </a:txBody>
+                  <a:tcPr marL="13775" marR="13775" marT="13775" marB="0" anchor="ctr"/>
+                </a:tc>
+                <a:extLst>
+                  <a:ext uri="{0D108BD9-81ED-4DB2-BD59-A6C34878D82A}">
+                    <a16:rowId xmlns:a16="http://schemas.microsoft.com/office/drawing/2014/main" val="2973593540"/>
+                  </a:ext>
+                </a:extLst>
+              </a:tr>
+              <a:tr h="287441">
+                <a:tc>
+                  <a:txBody>
+                    <a:bodyPr/>
+                    <a:lstStyle/>
+                    <a:p>
+                      <a:pPr algn="l" fontAlgn="ctr"/>
+                      <a:r>
+                        <a:rPr lang="en-US" sz="1200" u="none" strike="noStrike">
+                          <a:effectLst/>
+                        </a:rPr>
+                        <a:t>KICAD7_SYMBOL_DIR</a:t>
+                      </a:r>
+                      <a:endParaRPr lang="en-US" sz="1200" b="0" i="0" u="none" strike="noStrike">
+                        <a:solidFill>
+                          <a:srgbClr val="000000"/>
+                        </a:solidFill>
+                        <a:effectLst/>
+                        <a:latin typeface="맑은 고딕" panose="020B0503020000020004" pitchFamily="50" charset="-127"/>
+                        <a:ea typeface="맑은 고딕" panose="020B0503020000020004" pitchFamily="50" charset="-127"/>
+                      </a:endParaRPr>
+                    </a:p>
+                  </a:txBody>
+                  <a:tcPr marL="13775" marR="13775" marT="13775" marB="0" anchor="ctr"/>
+                </a:tc>
+                <a:tc>
+                  <a:txBody>
+                    <a:bodyPr/>
+                    <a:lstStyle/>
+                    <a:p>
+                      <a:pPr algn="l" fontAlgn="ctr"/>
+                      <a:r>
+                        <a:rPr lang="en-US" sz="1200" u="none" strike="noStrike">
+                          <a:effectLst/>
+                        </a:rPr>
+                        <a:t>XX\kicad-symbols</a:t>
+                      </a:r>
+                      <a:endParaRPr lang="en-US" sz="1200" b="0" i="0" u="none" strike="noStrike">
+                        <a:solidFill>
+                          <a:srgbClr val="000000"/>
+                        </a:solidFill>
+                        <a:effectLst/>
+                        <a:latin typeface="맑은 고딕" panose="020B0503020000020004" pitchFamily="50" charset="-127"/>
+                        <a:ea typeface="맑은 고딕" panose="020B0503020000020004" pitchFamily="50" charset="-127"/>
+                      </a:endParaRPr>
+                    </a:p>
+                  </a:txBody>
+                  <a:tcPr marL="13775" marR="13775" marT="13775" marB="0" anchor="ctr"/>
+                </a:tc>
+                <a:extLst>
+                  <a:ext uri="{0D108BD9-81ED-4DB2-BD59-A6C34878D82A}">
+                    <a16:rowId xmlns:a16="http://schemas.microsoft.com/office/drawing/2014/main" val="3353926107"/>
+                  </a:ext>
+                </a:extLst>
+              </a:tr>
+              <a:tr h="523360">
+                <a:tc>
+                  <a:txBody>
+                    <a:bodyPr/>
+                    <a:lstStyle/>
+                    <a:p>
+                      <a:pPr algn="l" fontAlgn="ctr"/>
+                      <a:r>
+                        <a:rPr lang="en-US" sz="1200" u="none" strike="noStrike">
+                          <a:effectLst/>
+                        </a:rPr>
+                        <a:t>KICAD7_TEMPLATE_DIR</a:t>
+                      </a:r>
+                      <a:endParaRPr lang="en-US" sz="1200" b="0" i="0" u="none" strike="noStrike">
+                        <a:solidFill>
+                          <a:srgbClr val="000000"/>
+                        </a:solidFill>
+                        <a:effectLst/>
+                        <a:latin typeface="맑은 고딕" panose="020B0503020000020004" pitchFamily="50" charset="-127"/>
+                        <a:ea typeface="맑은 고딕" panose="020B0503020000020004" pitchFamily="50" charset="-127"/>
+                      </a:endParaRPr>
+                    </a:p>
+                  </a:txBody>
+                  <a:tcPr marL="13775" marR="13775" marT="13775" marB="0" anchor="ctr"/>
+                </a:tc>
+                <a:tc>
+                  <a:txBody>
+                    <a:bodyPr/>
+                    <a:lstStyle/>
+                    <a:p>
+                      <a:pPr algn="l" fontAlgn="ctr"/>
+                      <a:r>
+                        <a:rPr lang="en-US" sz="1200" u="none" strike="noStrike" dirty="0">
+                          <a:effectLst/>
+                        </a:rPr>
+                        <a:t>XX\</a:t>
+                      </a:r>
+                      <a:r>
+                        <a:rPr lang="en-US" sz="1200" u="none" strike="noStrike" dirty="0" err="1">
+                          <a:effectLst/>
+                        </a:rPr>
+                        <a:t>kicad</a:t>
+                      </a:r>
+                      <a:r>
+                        <a:rPr lang="en-US" sz="1200" u="none" strike="noStrike" dirty="0">
+                          <a:effectLst/>
+                        </a:rPr>
+                        <a:t>-templates\Projects</a:t>
+                      </a:r>
+                      <a:endParaRPr lang="en-US" sz="1200" b="0" i="0" u="none" strike="noStrike" dirty="0">
+                        <a:solidFill>
+                          <a:srgbClr val="000000"/>
+                        </a:solidFill>
+                        <a:effectLst/>
+                        <a:latin typeface="맑은 고딕" panose="020B0503020000020004" pitchFamily="50" charset="-127"/>
+                        <a:ea typeface="맑은 고딕" panose="020B0503020000020004" pitchFamily="50" charset="-127"/>
+                      </a:endParaRPr>
+                    </a:p>
+                  </a:txBody>
+                  <a:tcPr marL="13775" marR="13775" marT="13775" marB="0" anchor="ctr"/>
+                </a:tc>
+                <a:extLst>
+                  <a:ext uri="{0D108BD9-81ED-4DB2-BD59-A6C34878D82A}">
+                    <a16:rowId xmlns:a16="http://schemas.microsoft.com/office/drawing/2014/main" val="1810494205"/>
+                  </a:ext>
+                </a:extLst>
+              </a:tr>
+            </a:tbl>
+          </a:graphicData>
+        </a:graphic>
+      </p:graphicFrame>
+    </p:spTree>
+    <p:extLst>
+      <p:ext uri="{BB962C8B-B14F-4D97-AF65-F5344CB8AC3E}">
+        <p14:creationId xmlns:p14="http://schemas.microsoft.com/office/powerpoint/2010/main" val="1701297797"/>
       </p:ext>
     </p:extLst>
   </p:cSld>
